--- a/out/production/compiler/新建 PPTX 演示文稿.pptx
+++ b/out/production/compiler/新建 PPTX 演示文稿.pptx
@@ -2914,42 +2914,6 @@
         <p:nvPr/>
       </p:nvGrpSpPr>
       <p:grpSpPr/>
-      <p:sp>
-        <p:nvSpPr>
-          <p:cNvPr id="2" name="标题 1"/>
-          <p:cNvSpPr>
-            <a:spLocks noGrp="1"/>
-          </p:cNvSpPr>
-          <p:nvPr>
-            <p:ph type="ctrTitle"/>
-          </p:nvPr>
-        </p:nvSpPr>
-        <p:spPr/>
-        <p:txBody>
-          <a:bodyPr/>
-          <a:p>
-            <a:endParaRPr lang="zh-CN" altLang="en-US"/>
-          </a:p>
-        </p:txBody>
-      </p:sp>
-      <p:sp>
-        <p:nvSpPr>
-          <p:cNvPr id="3" name="副标题 2"/>
-          <p:cNvSpPr>
-            <a:spLocks noGrp="1"/>
-          </p:cNvSpPr>
-          <p:nvPr>
-            <p:ph type="subTitle" idx="1"/>
-          </p:nvPr>
-        </p:nvSpPr>
-        <p:spPr/>
-        <p:txBody>
-          <a:bodyPr/>
-          <a:p>
-            <a:endParaRPr lang="zh-CN" altLang="en-US"/>
-          </a:p>
-        </p:txBody>
-      </p:sp>
     </p:spTree>
   </p:cSld>
   <p:clrMapOvr>
